--- a/Cyberlab/week3/3.CNN.pptx
+++ b/Cyberlab/week3/3.CNN.pptx
@@ -5,7 +5,7 @@
     <p:sldMasterId id="2147483648" r:id="rId1"/>
   </p:sldMasterIdLst>
   <p:notesMasterIdLst>
-    <p:notesMasterId r:id="rId23"/>
+    <p:notesMasterId r:id="rId30"/>
   </p:notesMasterIdLst>
   <p:sldIdLst>
     <p:sldId id="256" r:id="rId2"/>
@@ -28,7 +28,14 @@
     <p:sldId id="273" r:id="rId19"/>
     <p:sldId id="274" r:id="rId20"/>
     <p:sldId id="275" r:id="rId21"/>
-    <p:sldId id="276" r:id="rId22"/>
+    <p:sldId id="277" r:id="rId22"/>
+    <p:sldId id="278" r:id="rId23"/>
+    <p:sldId id="279" r:id="rId24"/>
+    <p:sldId id="280" r:id="rId25"/>
+    <p:sldId id="281" r:id="rId26"/>
+    <p:sldId id="282" r:id="rId27"/>
+    <p:sldId id="283" r:id="rId28"/>
+    <p:sldId id="276" r:id="rId29"/>
   </p:sldIdLst>
   <p:sldSz cx="12192000" cy="6858000"/>
   <p:notesSz cx="6858000" cy="9144000"/>
@@ -152,10 +159,13 @@
             <p14:sldId id="273"/>
             <p14:sldId id="274"/>
             <p14:sldId id="275"/>
-          </p14:sldIdLst>
-        </p14:section>
-        <p14:section name="Untitled Section" id="{2363361A-C856-46BA-957A-4E3F0F6D49D6}">
-          <p14:sldIdLst>
+            <p14:sldId id="277"/>
+            <p14:sldId id="278"/>
+            <p14:sldId id="279"/>
+            <p14:sldId id="280"/>
+            <p14:sldId id="281"/>
+            <p14:sldId id="282"/>
+            <p14:sldId id="283"/>
             <p14:sldId id="276"/>
           </p14:sldIdLst>
         </p14:section>
@@ -250,7 +260,7 @@
           <a:p>
             <a:fld id="{52C3A5EF-0696-40C8-A9A8-F36DF99CD7A1}" type="datetimeFigureOut">
               <a:rPr lang="en-US" smtClean="0"/>
-              <a:t>2/20/2022</a:t>
+              <a:t>3/13/2022</a:t>
             </a:fld>
             <a:endParaRPr lang="en-US"/>
           </a:p>
@@ -1609,6 +1619,182 @@
 </p:notes>
 </file>
 
+<file path=ppt/notesSlides/notesSlide8.xml><?xml version="1.0" encoding="utf-8"?>
+<p:notes xmlns:a="http://schemas.openxmlformats.org/drawingml/2006/main" xmlns:r="http://schemas.openxmlformats.org/officeDocument/2006/relationships" xmlns:p="http://schemas.openxmlformats.org/presentationml/2006/main">
+  <p:cSld>
+    <p:spTree>
+      <p:nvGrpSpPr>
+        <p:cNvPr id="1" name=""/>
+        <p:cNvGrpSpPr/>
+        <p:nvPr/>
+      </p:nvGrpSpPr>
+      <p:grpSpPr>
+        <a:xfrm>
+          <a:off x="0" y="0"/>
+          <a:ext cx="0" cy="0"/>
+          <a:chOff x="0" y="0"/>
+          <a:chExt cx="0" cy="0"/>
+        </a:xfrm>
+      </p:grpSpPr>
+      <p:sp>
+        <p:nvSpPr>
+          <p:cNvPr id="2" name="Slide Image Placeholder 1"/>
+          <p:cNvSpPr>
+            <a:spLocks noGrp="1" noRot="1" noChangeAspect="1"/>
+          </p:cNvSpPr>
+          <p:nvPr>
+            <p:ph type="sldImg"/>
+          </p:nvPr>
+        </p:nvSpPr>
+        <p:spPr/>
+      </p:sp>
+      <p:sp>
+        <p:nvSpPr>
+          <p:cNvPr id="3" name="Notes Placeholder 2"/>
+          <p:cNvSpPr>
+            <a:spLocks noGrp="1"/>
+          </p:cNvSpPr>
+          <p:nvPr>
+            <p:ph type="body" idx="1"/>
+          </p:nvPr>
+        </p:nvSpPr>
+        <p:spPr/>
+        <p:txBody>
+          <a:bodyPr/>
+          <a:lstStyle/>
+          <a:p>
+            <a:r>
+              <a:rPr lang="en-US" dirty="0" smtClean="0"/>
+              <a:t>https://d2l.ai/chapter_computer-vision/transposed-conv.html</a:t>
+            </a:r>
+            <a:endParaRPr lang="en-US" dirty="0"/>
+          </a:p>
+        </p:txBody>
+      </p:sp>
+      <p:sp>
+        <p:nvSpPr>
+          <p:cNvPr id="4" name="Slide Number Placeholder 3"/>
+          <p:cNvSpPr>
+            <a:spLocks noGrp="1"/>
+          </p:cNvSpPr>
+          <p:nvPr>
+            <p:ph type="sldNum" sz="quarter" idx="10"/>
+          </p:nvPr>
+        </p:nvSpPr>
+        <p:spPr/>
+        <p:txBody>
+          <a:bodyPr/>
+          <a:lstStyle/>
+          <a:p>
+            <a:fld id="{1F03363C-98F8-41C4-ADB8-29A3C82B2660}" type="slidenum">
+              <a:rPr lang="en-US" smtClean="0"/>
+              <a:t>26</a:t>
+            </a:fld>
+            <a:endParaRPr lang="en-US"/>
+          </a:p>
+        </p:txBody>
+      </p:sp>
+    </p:spTree>
+    <p:extLst>
+      <p:ext uri="{BB962C8B-B14F-4D97-AF65-F5344CB8AC3E}">
+        <p14:creationId xmlns:p14="http://schemas.microsoft.com/office/powerpoint/2010/main" val="1001003896"/>
+      </p:ext>
+    </p:extLst>
+  </p:cSld>
+  <p:clrMapOvr>
+    <a:masterClrMapping/>
+  </p:clrMapOvr>
+</p:notes>
+</file>
+
+<file path=ppt/notesSlides/notesSlide9.xml><?xml version="1.0" encoding="utf-8"?>
+<p:notes xmlns:a="http://schemas.openxmlformats.org/drawingml/2006/main" xmlns:r="http://schemas.openxmlformats.org/officeDocument/2006/relationships" xmlns:p="http://schemas.openxmlformats.org/presentationml/2006/main">
+  <p:cSld>
+    <p:spTree>
+      <p:nvGrpSpPr>
+        <p:cNvPr id="1" name=""/>
+        <p:cNvGrpSpPr/>
+        <p:nvPr/>
+      </p:nvGrpSpPr>
+      <p:grpSpPr>
+        <a:xfrm>
+          <a:off x="0" y="0"/>
+          <a:ext cx="0" cy="0"/>
+          <a:chOff x="0" y="0"/>
+          <a:chExt cx="0" cy="0"/>
+        </a:xfrm>
+      </p:grpSpPr>
+      <p:sp>
+        <p:nvSpPr>
+          <p:cNvPr id="2" name="Slide Image Placeholder 1"/>
+          <p:cNvSpPr>
+            <a:spLocks noGrp="1" noRot="1" noChangeAspect="1"/>
+          </p:cNvSpPr>
+          <p:nvPr>
+            <p:ph type="sldImg"/>
+          </p:nvPr>
+        </p:nvSpPr>
+        <p:spPr/>
+      </p:sp>
+      <p:sp>
+        <p:nvSpPr>
+          <p:cNvPr id="3" name="Notes Placeholder 2"/>
+          <p:cNvSpPr>
+            <a:spLocks noGrp="1"/>
+          </p:cNvSpPr>
+          <p:nvPr>
+            <p:ph type="body" idx="1"/>
+          </p:nvPr>
+        </p:nvSpPr>
+        <p:spPr/>
+        <p:txBody>
+          <a:bodyPr/>
+          <a:lstStyle/>
+          <a:p>
+            <a:r>
+              <a:rPr lang="en-US" dirty="0" smtClean="0"/>
+              <a:t>https://d2l.ai/chapter_computer-vision/transposed-conv.html</a:t>
+            </a:r>
+            <a:endParaRPr lang="en-US" dirty="0"/>
+          </a:p>
+        </p:txBody>
+      </p:sp>
+      <p:sp>
+        <p:nvSpPr>
+          <p:cNvPr id="4" name="Slide Number Placeholder 3"/>
+          <p:cNvSpPr>
+            <a:spLocks noGrp="1"/>
+          </p:cNvSpPr>
+          <p:nvPr>
+            <p:ph type="sldNum" sz="quarter" idx="10"/>
+          </p:nvPr>
+        </p:nvSpPr>
+        <p:spPr/>
+        <p:txBody>
+          <a:bodyPr/>
+          <a:lstStyle/>
+          <a:p>
+            <a:fld id="{1F03363C-98F8-41C4-ADB8-29A3C82B2660}" type="slidenum">
+              <a:rPr lang="en-US" smtClean="0"/>
+              <a:t>27</a:t>
+            </a:fld>
+            <a:endParaRPr lang="en-US"/>
+          </a:p>
+        </p:txBody>
+      </p:sp>
+    </p:spTree>
+    <p:extLst>
+      <p:ext uri="{BB962C8B-B14F-4D97-AF65-F5344CB8AC3E}">
+        <p14:creationId xmlns:p14="http://schemas.microsoft.com/office/powerpoint/2010/main" val="3976718695"/>
+      </p:ext>
+    </p:extLst>
+  </p:cSld>
+  <p:clrMapOvr>
+    <a:masterClrMapping/>
+  </p:clrMapOvr>
+</p:notes>
+</file>
+
 <file path=ppt/slideLayouts/slideLayout1.xml><?xml version="1.0" encoding="utf-8"?>
 <p:sldLayout xmlns:a="http://schemas.openxmlformats.org/drawingml/2006/main" xmlns:r="http://schemas.openxmlformats.org/officeDocument/2006/relationships" xmlns:p="http://schemas.openxmlformats.org/presentationml/2006/main" type="title" preserve="1">
   <p:cSld name="Title Slide">
@@ -1740,7 +1926,7 @@
           <a:p>
             <a:fld id="{71971647-0B5F-4417-ABA7-63C056FD3A7E}" type="datetimeFigureOut">
               <a:rPr lang="en-US" smtClean="0"/>
-              <a:t>2/20/2022</a:t>
+              <a:t>3/13/2022</a:t>
             </a:fld>
             <a:endParaRPr lang="en-US"/>
           </a:p>
@@ -1910,7 +2096,7 @@
           <a:p>
             <a:fld id="{71971647-0B5F-4417-ABA7-63C056FD3A7E}" type="datetimeFigureOut">
               <a:rPr lang="en-US" smtClean="0"/>
-              <a:t>2/20/2022</a:t>
+              <a:t>3/13/2022</a:t>
             </a:fld>
             <a:endParaRPr lang="en-US"/>
           </a:p>
@@ -2090,7 +2276,7 @@
           <a:p>
             <a:fld id="{71971647-0B5F-4417-ABA7-63C056FD3A7E}" type="datetimeFigureOut">
               <a:rPr lang="en-US" smtClean="0"/>
-              <a:t>2/20/2022</a:t>
+              <a:t>3/13/2022</a:t>
             </a:fld>
             <a:endParaRPr lang="en-US"/>
           </a:p>
@@ -2260,7 +2446,7 @@
           <a:p>
             <a:fld id="{71971647-0B5F-4417-ABA7-63C056FD3A7E}" type="datetimeFigureOut">
               <a:rPr lang="en-US" smtClean="0"/>
-              <a:t>2/20/2022</a:t>
+              <a:t>3/13/2022</a:t>
             </a:fld>
             <a:endParaRPr lang="en-US"/>
           </a:p>
@@ -2506,7 +2692,7 @@
           <a:p>
             <a:fld id="{71971647-0B5F-4417-ABA7-63C056FD3A7E}" type="datetimeFigureOut">
               <a:rPr lang="en-US" smtClean="0"/>
-              <a:t>2/20/2022</a:t>
+              <a:t>3/13/2022</a:t>
             </a:fld>
             <a:endParaRPr lang="en-US"/>
           </a:p>
@@ -2738,7 +2924,7 @@
           <a:p>
             <a:fld id="{71971647-0B5F-4417-ABA7-63C056FD3A7E}" type="datetimeFigureOut">
               <a:rPr lang="en-US" smtClean="0"/>
-              <a:t>2/20/2022</a:t>
+              <a:t>3/13/2022</a:t>
             </a:fld>
             <a:endParaRPr lang="en-US"/>
           </a:p>
@@ -3105,7 +3291,7 @@
           <a:p>
             <a:fld id="{71971647-0B5F-4417-ABA7-63C056FD3A7E}" type="datetimeFigureOut">
               <a:rPr lang="en-US" smtClean="0"/>
-              <a:t>2/20/2022</a:t>
+              <a:t>3/13/2022</a:t>
             </a:fld>
             <a:endParaRPr lang="en-US"/>
           </a:p>
@@ -3223,7 +3409,7 @@
           <a:p>
             <a:fld id="{71971647-0B5F-4417-ABA7-63C056FD3A7E}" type="datetimeFigureOut">
               <a:rPr lang="en-US" smtClean="0"/>
-              <a:t>2/20/2022</a:t>
+              <a:t>3/13/2022</a:t>
             </a:fld>
             <a:endParaRPr lang="en-US"/>
           </a:p>
@@ -3318,7 +3504,7 @@
           <a:p>
             <a:fld id="{71971647-0B5F-4417-ABA7-63C056FD3A7E}" type="datetimeFigureOut">
               <a:rPr lang="en-US" smtClean="0"/>
-              <a:t>2/20/2022</a:t>
+              <a:t>3/13/2022</a:t>
             </a:fld>
             <a:endParaRPr lang="en-US"/>
           </a:p>
@@ -3595,7 +3781,7 @@
           <a:p>
             <a:fld id="{71971647-0B5F-4417-ABA7-63C056FD3A7E}" type="datetimeFigureOut">
               <a:rPr lang="en-US" smtClean="0"/>
-              <a:t>2/20/2022</a:t>
+              <a:t>3/13/2022</a:t>
             </a:fld>
             <a:endParaRPr lang="en-US"/>
           </a:p>
@@ -3848,7 +4034,7 @@
           <a:p>
             <a:fld id="{71971647-0B5F-4417-ABA7-63C056FD3A7E}" type="datetimeFigureOut">
               <a:rPr lang="en-US" smtClean="0"/>
-              <a:t>2/20/2022</a:t>
+              <a:t>3/13/2022</a:t>
             </a:fld>
             <a:endParaRPr lang="en-US"/>
           </a:p>
@@ -4061,7 +4247,7 @@
           <a:p>
             <a:fld id="{71971647-0B5F-4417-ABA7-63C056FD3A7E}" type="datetimeFigureOut">
               <a:rPr lang="en-US" smtClean="0"/>
-              <a:t>2/20/2022</a:t>
+              <a:t>3/13/2022</a:t>
             </a:fld>
             <a:endParaRPr lang="en-US"/>
           </a:p>
@@ -5880,7 +6066,7 @@
           <a:p>
             <a:r>
               <a:rPr lang="fr-FR" dirty="0" smtClean="0"/>
-              <a:t>Augmentation</a:t>
+              <a:t>Augmentation basics</a:t>
             </a:r>
             <a:endParaRPr lang="en-US" dirty="0"/>
           </a:p>
@@ -5908,7 +6094,619 @@
     </p:spTree>
     <p:extLst>
       <p:ext uri="{BB962C8B-B14F-4D97-AF65-F5344CB8AC3E}">
-        <p14:creationId xmlns:p14="http://schemas.microsoft.com/office/powerpoint/2010/main" val="563151613"/>
+        <p14:creationId xmlns:p14="http://schemas.microsoft.com/office/powerpoint/2010/main" val="2435146155"/>
+      </p:ext>
+    </p:extLst>
+  </p:cSld>
+  <p:clrMapOvr>
+    <a:masterClrMapping/>
+  </p:clrMapOvr>
+</p:sld>
+</file>
+
+<file path=ppt/slides/slide22.xml><?xml version="1.0" encoding="utf-8"?>
+<p:sld xmlns:a="http://schemas.openxmlformats.org/drawingml/2006/main" xmlns:r="http://schemas.openxmlformats.org/officeDocument/2006/relationships" xmlns:p="http://schemas.openxmlformats.org/presentationml/2006/main">
+  <p:cSld>
+    <p:spTree>
+      <p:nvGrpSpPr>
+        <p:cNvPr id="1" name=""/>
+        <p:cNvGrpSpPr/>
+        <p:nvPr/>
+      </p:nvGrpSpPr>
+      <p:grpSpPr>
+        <a:xfrm>
+          <a:off x="0" y="0"/>
+          <a:ext cx="0" cy="0"/>
+          <a:chOff x="0" y="0"/>
+          <a:chExt cx="0" cy="0"/>
+        </a:xfrm>
+      </p:grpSpPr>
+      <p:sp>
+        <p:nvSpPr>
+          <p:cNvPr id="4" name="Title 3"/>
+          <p:cNvSpPr>
+            <a:spLocks noGrp="1"/>
+          </p:cNvSpPr>
+          <p:nvPr>
+            <p:ph type="title"/>
+          </p:nvPr>
+        </p:nvSpPr>
+        <p:spPr/>
+        <p:txBody>
+          <a:bodyPr/>
+          <a:lstStyle/>
+          <a:p>
+            <a:r>
+              <a:rPr lang="fr-FR" dirty="0" err="1" smtClean="0"/>
+              <a:t>Normalization</a:t>
+            </a:r>
+            <a:endParaRPr lang="en-US" dirty="0"/>
+          </a:p>
+        </p:txBody>
+      </p:sp>
+      <p:sp>
+        <p:nvSpPr>
+          <p:cNvPr id="5" name="Content Placeholder 4"/>
+          <p:cNvSpPr>
+            <a:spLocks noGrp="1"/>
+          </p:cNvSpPr>
+          <p:nvPr>
+            <p:ph idx="1"/>
+          </p:nvPr>
+        </p:nvSpPr>
+        <p:spPr/>
+        <p:txBody>
+          <a:bodyPr/>
+          <a:lstStyle/>
+          <a:p>
+            <a:r>
+              <a:rPr lang="fr-FR" dirty="0" err="1" smtClean="0"/>
+              <a:t>Data_augmentation</a:t>
+            </a:r>
+            <a:r>
+              <a:rPr lang="fr-FR" dirty="0" smtClean="0"/>
+              <a:t> notebook</a:t>
+            </a:r>
+            <a:endParaRPr lang="en-US" dirty="0"/>
+          </a:p>
+        </p:txBody>
+      </p:sp>
+    </p:spTree>
+    <p:extLst>
+      <p:ext uri="{BB962C8B-B14F-4D97-AF65-F5344CB8AC3E}">
+        <p14:creationId xmlns:p14="http://schemas.microsoft.com/office/powerpoint/2010/main" val="2066531061"/>
+      </p:ext>
+    </p:extLst>
+  </p:cSld>
+  <p:clrMapOvr>
+    <a:masterClrMapping/>
+  </p:clrMapOvr>
+</p:sld>
+</file>
+
+<file path=ppt/slides/slide23.xml><?xml version="1.0" encoding="utf-8"?>
+<p:sld xmlns:a="http://schemas.openxmlformats.org/drawingml/2006/main" xmlns:r="http://schemas.openxmlformats.org/officeDocument/2006/relationships" xmlns:p="http://schemas.openxmlformats.org/presentationml/2006/main">
+  <p:cSld>
+    <p:spTree>
+      <p:nvGrpSpPr>
+        <p:cNvPr id="1" name=""/>
+        <p:cNvGrpSpPr/>
+        <p:nvPr/>
+      </p:nvGrpSpPr>
+      <p:grpSpPr>
+        <a:xfrm>
+          <a:off x="0" y="0"/>
+          <a:ext cx="0" cy="0"/>
+          <a:chOff x="0" y="0"/>
+          <a:chExt cx="0" cy="0"/>
+        </a:xfrm>
+      </p:grpSpPr>
+      <p:sp>
+        <p:nvSpPr>
+          <p:cNvPr id="2" name="Title 1"/>
+          <p:cNvSpPr>
+            <a:spLocks noGrp="1"/>
+          </p:cNvSpPr>
+          <p:nvPr>
+            <p:ph type="title"/>
+          </p:nvPr>
+        </p:nvSpPr>
+        <p:spPr/>
+        <p:txBody>
+          <a:bodyPr/>
+          <a:lstStyle/>
+          <a:p>
+            <a:r>
+              <a:rPr lang="fr-FR" dirty="0" smtClean="0"/>
+              <a:t>Flip, </a:t>
+            </a:r>
+            <a:r>
+              <a:rPr lang="fr-FR" dirty="0" err="1" smtClean="0"/>
+              <a:t>rotate</a:t>
+            </a:r>
+            <a:endParaRPr lang="en-US" dirty="0"/>
+          </a:p>
+        </p:txBody>
+      </p:sp>
+      <p:sp>
+        <p:nvSpPr>
+          <p:cNvPr id="3" name="Content Placeholder 2"/>
+          <p:cNvSpPr>
+            <a:spLocks noGrp="1"/>
+          </p:cNvSpPr>
+          <p:nvPr>
+            <p:ph idx="1"/>
+          </p:nvPr>
+        </p:nvSpPr>
+        <p:spPr/>
+        <p:txBody>
+          <a:bodyPr/>
+          <a:lstStyle/>
+          <a:p>
+            <a:endParaRPr lang="en-US"/>
+          </a:p>
+        </p:txBody>
+      </p:sp>
+    </p:spTree>
+    <p:extLst>
+      <p:ext uri="{BB962C8B-B14F-4D97-AF65-F5344CB8AC3E}">
+        <p14:creationId xmlns:p14="http://schemas.microsoft.com/office/powerpoint/2010/main" val="2873602992"/>
+      </p:ext>
+    </p:extLst>
+  </p:cSld>
+  <p:clrMapOvr>
+    <a:masterClrMapping/>
+  </p:clrMapOvr>
+</p:sld>
+</file>
+
+<file path=ppt/slides/slide24.xml><?xml version="1.0" encoding="utf-8"?>
+<p:sld xmlns:a="http://schemas.openxmlformats.org/drawingml/2006/main" xmlns:r="http://schemas.openxmlformats.org/officeDocument/2006/relationships" xmlns:p="http://schemas.openxmlformats.org/presentationml/2006/main">
+  <p:cSld>
+    <p:spTree>
+      <p:nvGrpSpPr>
+        <p:cNvPr id="1" name=""/>
+        <p:cNvGrpSpPr/>
+        <p:nvPr/>
+      </p:nvGrpSpPr>
+      <p:grpSpPr>
+        <a:xfrm>
+          <a:off x="0" y="0"/>
+          <a:ext cx="0" cy="0"/>
+          <a:chOff x="0" y="0"/>
+          <a:chExt cx="0" cy="0"/>
+        </a:xfrm>
+      </p:grpSpPr>
+      <p:sp>
+        <p:nvSpPr>
+          <p:cNvPr id="2" name="Title 1"/>
+          <p:cNvSpPr>
+            <a:spLocks noGrp="1"/>
+          </p:cNvSpPr>
+          <p:nvPr>
+            <p:ph type="title"/>
+          </p:nvPr>
+        </p:nvSpPr>
+        <p:spPr/>
+        <p:txBody>
+          <a:bodyPr/>
+          <a:lstStyle/>
+          <a:p>
+            <a:r>
+              <a:rPr lang="fr-FR" dirty="0" smtClean="0"/>
+              <a:t>Fine </a:t>
+            </a:r>
+            <a:r>
+              <a:rPr lang="fr-FR" dirty="0" err="1" smtClean="0"/>
+              <a:t>tuning</a:t>
+            </a:r>
+            <a:endParaRPr lang="en-US" dirty="0"/>
+          </a:p>
+        </p:txBody>
+      </p:sp>
+      <p:sp>
+        <p:nvSpPr>
+          <p:cNvPr id="3" name="Content Placeholder 2"/>
+          <p:cNvSpPr>
+            <a:spLocks noGrp="1"/>
+          </p:cNvSpPr>
+          <p:nvPr>
+            <p:ph idx="1"/>
+          </p:nvPr>
+        </p:nvSpPr>
+        <p:spPr/>
+        <p:txBody>
+          <a:bodyPr/>
+          <a:lstStyle/>
+          <a:p>
+            <a:endParaRPr lang="en-US"/>
+          </a:p>
+        </p:txBody>
+      </p:sp>
+    </p:spTree>
+    <p:extLst>
+      <p:ext uri="{BB962C8B-B14F-4D97-AF65-F5344CB8AC3E}">
+        <p14:creationId xmlns:p14="http://schemas.microsoft.com/office/powerpoint/2010/main" val="3949310665"/>
+      </p:ext>
+    </p:extLst>
+  </p:cSld>
+  <p:clrMapOvr>
+    <a:masterClrMapping/>
+  </p:clrMapOvr>
+</p:sld>
+</file>
+
+<file path=ppt/slides/slide25.xml><?xml version="1.0" encoding="utf-8"?>
+<p:sld xmlns:a="http://schemas.openxmlformats.org/drawingml/2006/main" xmlns:r="http://schemas.openxmlformats.org/officeDocument/2006/relationships" xmlns:p="http://schemas.openxmlformats.org/presentationml/2006/main">
+  <p:cSld>
+    <p:spTree>
+      <p:nvGrpSpPr>
+        <p:cNvPr id="1" name=""/>
+        <p:cNvGrpSpPr/>
+        <p:nvPr/>
+      </p:nvGrpSpPr>
+      <p:grpSpPr>
+        <a:xfrm>
+          <a:off x="0" y="0"/>
+          <a:ext cx="0" cy="0"/>
+          <a:chOff x="0" y="0"/>
+          <a:chExt cx="0" cy="0"/>
+        </a:xfrm>
+      </p:grpSpPr>
+      <p:sp>
+        <p:nvSpPr>
+          <p:cNvPr id="4" name="Title 3"/>
+          <p:cNvSpPr>
+            <a:spLocks noGrp="1"/>
+          </p:cNvSpPr>
+          <p:nvPr>
+            <p:ph type="title"/>
+          </p:nvPr>
+        </p:nvSpPr>
+        <p:spPr/>
+        <p:txBody>
+          <a:bodyPr/>
+          <a:lstStyle/>
+          <a:p>
+            <a:r>
+              <a:rPr lang="fr-FR" dirty="0" err="1" smtClean="0"/>
+              <a:t>Transposed</a:t>
+            </a:r>
+            <a:r>
+              <a:rPr lang="fr-FR" dirty="0" smtClean="0"/>
+              <a:t> convolution</a:t>
+            </a:r>
+            <a:endParaRPr lang="en-US" dirty="0"/>
+          </a:p>
+        </p:txBody>
+      </p:sp>
+      <p:sp>
+        <p:nvSpPr>
+          <p:cNvPr id="5" name="Text Placeholder 4"/>
+          <p:cNvSpPr>
+            <a:spLocks noGrp="1"/>
+          </p:cNvSpPr>
+          <p:nvPr>
+            <p:ph type="body" idx="1"/>
+          </p:nvPr>
+        </p:nvSpPr>
+        <p:spPr/>
+        <p:txBody>
+          <a:bodyPr/>
+          <a:lstStyle/>
+          <a:p>
+            <a:endParaRPr lang="en-US"/>
+          </a:p>
+        </p:txBody>
+      </p:sp>
+    </p:spTree>
+    <p:extLst>
+      <p:ext uri="{BB962C8B-B14F-4D97-AF65-F5344CB8AC3E}">
+        <p14:creationId xmlns:p14="http://schemas.microsoft.com/office/powerpoint/2010/main" val="4148077118"/>
+      </p:ext>
+    </p:extLst>
+  </p:cSld>
+  <p:clrMapOvr>
+    <a:masterClrMapping/>
+  </p:clrMapOvr>
+</p:sld>
+</file>
+
+<file path=ppt/slides/slide26.xml><?xml version="1.0" encoding="utf-8"?>
+<p:sld xmlns:a="http://schemas.openxmlformats.org/drawingml/2006/main" xmlns:r="http://schemas.openxmlformats.org/officeDocument/2006/relationships" xmlns:p="http://schemas.openxmlformats.org/presentationml/2006/main">
+  <p:cSld>
+    <p:spTree>
+      <p:nvGrpSpPr>
+        <p:cNvPr id="1" name=""/>
+        <p:cNvGrpSpPr/>
+        <p:nvPr/>
+      </p:nvGrpSpPr>
+      <p:grpSpPr>
+        <a:xfrm>
+          <a:off x="0" y="0"/>
+          <a:ext cx="0" cy="0"/>
+          <a:chOff x="0" y="0"/>
+          <a:chExt cx="0" cy="0"/>
+        </a:xfrm>
+      </p:grpSpPr>
+      <p:sp>
+        <p:nvSpPr>
+          <p:cNvPr id="4" name="Title 3"/>
+          <p:cNvSpPr>
+            <a:spLocks noGrp="1"/>
+          </p:cNvSpPr>
+          <p:nvPr>
+            <p:ph type="title"/>
+          </p:nvPr>
+        </p:nvSpPr>
+        <p:spPr/>
+        <p:txBody>
+          <a:bodyPr/>
+          <a:lstStyle/>
+          <a:p>
+            <a:r>
+              <a:rPr lang="fr-FR" dirty="0" err="1" smtClean="0"/>
+              <a:t>Operation</a:t>
+            </a:r>
+            <a:endParaRPr lang="en-US" dirty="0"/>
+          </a:p>
+        </p:txBody>
+      </p:sp>
+      <p:sp>
+        <p:nvSpPr>
+          <p:cNvPr id="5" name="Content Placeholder 4"/>
+          <p:cNvSpPr>
+            <a:spLocks noGrp="1"/>
+          </p:cNvSpPr>
+          <p:nvPr>
+            <p:ph idx="1"/>
+          </p:nvPr>
+        </p:nvSpPr>
+        <p:spPr/>
+        <p:txBody>
+          <a:bodyPr/>
+          <a:lstStyle/>
+          <a:p>
+            <a:endParaRPr lang="en-US"/>
+          </a:p>
+        </p:txBody>
+      </p:sp>
+      <p:pic>
+        <p:nvPicPr>
+          <p:cNvPr id="6" name="Picture 5"/>
+          <p:cNvPicPr>
+            <a:picLocks noChangeAspect="1"/>
+          </p:cNvPicPr>
+          <p:nvPr/>
+        </p:nvPicPr>
+        <p:blipFill>
+          <a:blip r:embed="rId3"/>
+          <a:stretch>
+            <a:fillRect/>
+          </a:stretch>
+        </p:blipFill>
+        <p:spPr>
+          <a:xfrm>
+            <a:off x="3271837" y="2157412"/>
+            <a:ext cx="5648325" cy="2543175"/>
+          </a:xfrm>
+          <a:prstGeom prst="rect">
+            <a:avLst/>
+          </a:prstGeom>
+        </p:spPr>
+      </p:pic>
+    </p:spTree>
+    <p:extLst>
+      <p:ext uri="{BB962C8B-B14F-4D97-AF65-F5344CB8AC3E}">
+        <p14:creationId xmlns:p14="http://schemas.microsoft.com/office/powerpoint/2010/main" val="71342531"/>
+      </p:ext>
+    </p:extLst>
+  </p:cSld>
+  <p:clrMapOvr>
+    <a:masterClrMapping/>
+  </p:clrMapOvr>
+</p:sld>
+</file>
+
+<file path=ppt/slides/slide27.xml><?xml version="1.0" encoding="utf-8"?>
+<p:sld xmlns:a="http://schemas.openxmlformats.org/drawingml/2006/main" xmlns:r="http://schemas.openxmlformats.org/officeDocument/2006/relationships" xmlns:p="http://schemas.openxmlformats.org/presentationml/2006/main">
+  <p:cSld>
+    <p:spTree>
+      <p:nvGrpSpPr>
+        <p:cNvPr id="1" name=""/>
+        <p:cNvGrpSpPr/>
+        <p:nvPr/>
+      </p:nvGrpSpPr>
+      <p:grpSpPr>
+        <a:xfrm>
+          <a:off x="0" y="0"/>
+          <a:ext cx="0" cy="0"/>
+          <a:chOff x="0" y="0"/>
+          <a:chExt cx="0" cy="0"/>
+        </a:xfrm>
+      </p:grpSpPr>
+      <p:sp>
+        <p:nvSpPr>
+          <p:cNvPr id="2" name="Title 1"/>
+          <p:cNvSpPr>
+            <a:spLocks noGrp="1"/>
+          </p:cNvSpPr>
+          <p:nvPr>
+            <p:ph type="title"/>
+          </p:nvPr>
+        </p:nvSpPr>
+        <p:spPr/>
+        <p:txBody>
+          <a:bodyPr/>
+          <a:lstStyle/>
+          <a:p>
+            <a:r>
+              <a:rPr lang="fr-FR" dirty="0" err="1" smtClean="0"/>
+              <a:t>Padding</a:t>
+            </a:r>
+            <a:r>
+              <a:rPr lang="fr-FR" dirty="0" smtClean="0"/>
+              <a:t> </a:t>
+            </a:r>
+            <a:r>
+              <a:rPr lang="fr-FR" dirty="0" err="1" smtClean="0"/>
+              <a:t>strides</a:t>
+            </a:r>
+            <a:r>
+              <a:rPr lang="fr-FR" dirty="0" smtClean="0"/>
+              <a:t> and multiple </a:t>
+            </a:r>
+            <a:r>
+              <a:rPr lang="fr-FR" dirty="0" err="1" smtClean="0"/>
+              <a:t>channels</a:t>
+            </a:r>
+            <a:endParaRPr lang="en-US" dirty="0"/>
+          </a:p>
+        </p:txBody>
+      </p:sp>
+      <p:sp>
+        <p:nvSpPr>
+          <p:cNvPr id="3" name="Content Placeholder 2"/>
+          <p:cNvSpPr>
+            <a:spLocks noGrp="1"/>
+          </p:cNvSpPr>
+          <p:nvPr>
+            <p:ph idx="1"/>
+          </p:nvPr>
+        </p:nvSpPr>
+        <p:spPr/>
+        <p:txBody>
+          <a:bodyPr/>
+          <a:lstStyle/>
+          <a:p>
+            <a:endParaRPr lang="en-US"/>
+          </a:p>
+        </p:txBody>
+      </p:sp>
+      <p:pic>
+        <p:nvPicPr>
+          <p:cNvPr id="4" name="Picture 3"/>
+          <p:cNvPicPr>
+            <a:picLocks noChangeAspect="1"/>
+          </p:cNvPicPr>
+          <p:nvPr/>
+        </p:nvPicPr>
+        <p:blipFill>
+          <a:blip r:embed="rId3"/>
+          <a:stretch>
+            <a:fillRect/>
+          </a:stretch>
+        </p:blipFill>
+        <p:spPr>
+          <a:xfrm>
+            <a:off x="3088640" y="1896269"/>
+            <a:ext cx="6400800" cy="4210050"/>
+          </a:xfrm>
+          <a:prstGeom prst="rect">
+            <a:avLst/>
+          </a:prstGeom>
+        </p:spPr>
+      </p:pic>
+    </p:spTree>
+    <p:extLst>
+      <p:ext uri="{BB962C8B-B14F-4D97-AF65-F5344CB8AC3E}">
+        <p14:creationId xmlns:p14="http://schemas.microsoft.com/office/powerpoint/2010/main" val="2592515819"/>
+      </p:ext>
+    </p:extLst>
+  </p:cSld>
+  <p:clrMapOvr>
+    <a:masterClrMapping/>
+  </p:clrMapOvr>
+</p:sld>
+</file>
+
+<file path=ppt/slides/slide28.xml><?xml version="1.0" encoding="utf-8"?>
+<p:sld xmlns:a="http://schemas.openxmlformats.org/drawingml/2006/main" xmlns:r="http://schemas.openxmlformats.org/officeDocument/2006/relationships" xmlns:p="http://schemas.openxmlformats.org/presentationml/2006/main">
+  <p:cSld>
+    <p:spTree>
+      <p:nvGrpSpPr>
+        <p:cNvPr id="1" name=""/>
+        <p:cNvGrpSpPr/>
+        <p:nvPr/>
+      </p:nvGrpSpPr>
+      <p:grpSpPr>
+        <a:xfrm>
+          <a:off x="0" y="0"/>
+          <a:ext cx="0" cy="0"/>
+          <a:chOff x="0" y="0"/>
+          <a:chExt cx="0" cy="0"/>
+        </a:xfrm>
+      </p:grpSpPr>
+      <p:sp>
+        <p:nvSpPr>
+          <p:cNvPr id="2" name="Title 1"/>
+          <p:cNvSpPr>
+            <a:spLocks noGrp="1"/>
+          </p:cNvSpPr>
+          <p:nvPr>
+            <p:ph type="title"/>
+          </p:nvPr>
+        </p:nvSpPr>
+        <p:spPr/>
+        <p:txBody>
+          <a:bodyPr/>
+          <a:lstStyle/>
+          <a:p>
+            <a:r>
+              <a:rPr lang="fr-FR" dirty="0" smtClean="0"/>
+              <a:t>Practice</a:t>
+            </a:r>
+            <a:endParaRPr lang="en-US" dirty="0"/>
+          </a:p>
+        </p:txBody>
+      </p:sp>
+      <p:sp>
+        <p:nvSpPr>
+          <p:cNvPr id="3" name="Content Placeholder 2"/>
+          <p:cNvSpPr>
+            <a:spLocks noGrp="1"/>
+          </p:cNvSpPr>
+          <p:nvPr>
+            <p:ph idx="1"/>
+          </p:nvPr>
+        </p:nvSpPr>
+        <p:spPr/>
+        <p:txBody>
+          <a:bodyPr/>
+          <a:lstStyle/>
+          <a:p>
+            <a:r>
+              <a:rPr lang="fr-FR" dirty="0" smtClean="0"/>
+              <a:t>Dog cat classification + fine </a:t>
+            </a:r>
+            <a:r>
+              <a:rPr lang="fr-FR" dirty="0" err="1" smtClean="0"/>
+              <a:t>tuning</a:t>
+            </a:r>
+            <a:r>
+              <a:rPr lang="fr-FR" dirty="0" smtClean="0"/>
+              <a:t> + augmentation</a:t>
+            </a:r>
+          </a:p>
+          <a:p>
+            <a:r>
+              <a:rPr lang="fr-FR" dirty="0" smtClean="0"/>
+              <a:t>Flower classification</a:t>
+            </a:r>
+          </a:p>
+          <a:p>
+            <a:r>
+              <a:rPr lang="fr-FR" dirty="0" smtClean="0"/>
+              <a:t>CIFAR classification</a:t>
+            </a:r>
+            <a:endParaRPr lang="en-US" dirty="0"/>
+          </a:p>
+        </p:txBody>
+      </p:sp>
+    </p:spTree>
+    <p:extLst>
+      <p:ext uri="{BB962C8B-B14F-4D97-AF65-F5344CB8AC3E}">
+        <p14:creationId xmlns:p14="http://schemas.microsoft.com/office/powerpoint/2010/main" val="3116593609"/>
       </p:ext>
     </p:extLst>
   </p:cSld>
